--- a/Syllabus/Lecture03/Lec03.pptx
+++ b/Syllabus/Lecture03/Lec03.pptx
@@ -281,7 +281,7 @@
           <a:p>
             <a:fld id="{DF9C6931-D0F6-AB40-9D7F-95567148A5C2}" type="datetimeFigureOut">
               <a:rPr lang="en-US" smtClean="0"/>
-              <a:t>8/31/22</a:t>
+              <a:t>9/1/22</a:t>
             </a:fld>
             <a:endParaRPr lang="en-US"/>
           </a:p>
@@ -458,7 +458,7 @@
           <a:p>
             <a:fld id="{736C18F2-6801-5147-A332-A6E1C7D69D18}" type="datetimeFigureOut">
               <a:rPr lang="en-US" smtClean="0"/>
-              <a:t>8/31/22</a:t>
+              <a:t>9/1/22</a:t>
             </a:fld>
             <a:endParaRPr lang="en-US"/>
           </a:p>
@@ -14334,36 +14334,6 @@
           </a:p>
         </p:txBody>
       </p:sp>
-      <p:pic>
-        <p:nvPicPr>
-          <p:cNvPr id="6" name="Picture 5">
-            <a:extLst>
-              <a:ext uri="{FF2B5EF4-FFF2-40B4-BE49-F238E27FC236}">
-                <a16:creationId xmlns:a16="http://schemas.microsoft.com/office/drawing/2014/main" id="{9D5E1CFE-E5A0-4459-8028-3BDA388C43B9}"/>
-              </a:ext>
-            </a:extLst>
-          </p:cNvPr>
-          <p:cNvPicPr>
-            <a:picLocks noChangeAspect="1"/>
-          </p:cNvPicPr>
-          <p:nvPr/>
-        </p:nvPicPr>
-        <p:blipFill>
-          <a:blip r:embed="rId4"/>
-          <a:stretch>
-            <a:fillRect/>
-          </a:stretch>
-        </p:blipFill>
-        <p:spPr>
-          <a:xfrm>
-            <a:off x="1564017" y="5241629"/>
-            <a:ext cx="5376645" cy="557854"/>
-          </a:xfrm>
-          <a:prstGeom prst="rect">
-            <a:avLst/>
-          </a:prstGeom>
-        </p:spPr>
-      </p:pic>
     </p:spTree>
     <p:extLst>
       <p:ext uri="{BB962C8B-B14F-4D97-AF65-F5344CB8AC3E}">
@@ -14481,51 +14451,6 @@
                                         </p:cTn>
                                         <p:tgtEl>
                                           <p:spTgt spid="2"/>
-                                        </p:tgtEl>
-                                        <p:attrNameLst>
-                                          <p:attrName>style.visibility</p:attrName>
-                                        </p:attrNameLst>
-                                      </p:cBhvr>
-                                      <p:to>
-                                        <p:strVal val="visible"/>
-                                      </p:to>
-                                    </p:set>
-                                  </p:childTnLst>
-                                </p:cTn>
-                              </p:par>
-                            </p:childTnLst>
-                          </p:cTn>
-                        </p:par>
-                      </p:childTnLst>
-                    </p:cTn>
-                  </p:par>
-                  <p:par>
-                    <p:cTn id="13" fill="hold">
-                      <p:stCondLst>
-                        <p:cond delay="indefinite"/>
-                      </p:stCondLst>
-                      <p:childTnLst>
-                        <p:par>
-                          <p:cTn id="14" fill="hold">
-                            <p:stCondLst>
-                              <p:cond delay="0"/>
-                            </p:stCondLst>
-                            <p:childTnLst>
-                              <p:par>
-                                <p:cTn id="15" presetID="1" presetClass="entr" presetSubtype="0" fill="hold" nodeType="clickEffect">
-                                  <p:stCondLst>
-                                    <p:cond delay="0"/>
-                                  </p:stCondLst>
-                                  <p:childTnLst>
-                                    <p:set>
-                                      <p:cBhvr>
-                                        <p:cTn id="16" dur="1" fill="hold">
-                                          <p:stCondLst>
-                                            <p:cond delay="0"/>
-                                          </p:stCondLst>
-                                        </p:cTn>
-                                        <p:tgtEl>
-                                          <p:spTgt spid="6"/>
                                         </p:tgtEl>
                                         <p:attrNameLst>
                                           <p:attrName>style.visibility</p:attrName>

--- a/Syllabus/Lecture03/Lec03.pptx
+++ b/Syllabus/Lecture03/Lec03.pptx
@@ -281,7 +281,7 @@
           <a:p>
             <a:fld id="{DF9C6931-D0F6-AB40-9D7F-95567148A5C2}" type="datetimeFigureOut">
               <a:rPr lang="en-US" smtClean="0"/>
-              <a:t>9/1/22</a:t>
+              <a:t>9/8/22</a:t>
             </a:fld>
             <a:endParaRPr lang="en-US"/>
           </a:p>
@@ -458,7 +458,7 @@
           <a:p>
             <a:fld id="{736C18F2-6801-5147-A332-A6E1C7D69D18}" type="datetimeFigureOut">
               <a:rPr lang="en-US" smtClean="0"/>
-              <a:t>9/1/22</a:t>
+              <a:t>9/8/22</a:t>
             </a:fld>
             <a:endParaRPr lang="en-US"/>
           </a:p>
